--- a/lessons/H_text2Vec_documentClassification/A_SupervisedLearning_Classification.pptx
+++ b/lessons/H_text2Vec_documentClassification/A_SupervisedLearning_Classification.pptx
@@ -5868,7 +5868,7 @@
           <a:p>
             <a:fld id="{B0C0A60C-850A-4EA4-9C14-A8FE98B94505}" type="datetimeFigureOut">
               <a:rPr lang="en-US" smtClean="0"/>
-              <a:t>3/25/21</a:t>
+              <a:t>4/5/21</a:t>
             </a:fld>
             <a:endParaRPr lang="en-US"/>
           </a:p>
@@ -7982,7 +7982,7 @@
           <a:p>
             <a:fld id="{5738B90E-0779-4C36-915C-6F05FCD89456}" type="datetime1">
               <a:rPr lang="en-US" smtClean="0"/>
-              <a:t>3/25/21</a:t>
+              <a:t>4/5/21</a:t>
             </a:fld>
             <a:endParaRPr lang="en-US"/>
           </a:p>
@@ -8179,7 +8179,7 @@
           <a:p>
             <a:fld id="{7B9EA29D-D431-42FE-B7B6-AAE4454C77D3}" type="datetime1">
               <a:rPr lang="en-US" smtClean="0"/>
-              <a:t>3/25/21</a:t>
+              <a:t>4/5/21</a:t>
             </a:fld>
             <a:endParaRPr lang="en-US"/>
           </a:p>
@@ -8534,7 +8534,7 @@
           <a:p>
             <a:fld id="{690D8A1E-EA8F-46C1-B891-AE0C00D9C314}" type="datetime1">
               <a:rPr lang="en-US" smtClean="0"/>
-              <a:t>3/25/21</a:t>
+              <a:t>4/5/21</a:t>
             </a:fld>
             <a:endParaRPr lang="en-US"/>
           </a:p>
@@ -8842,7 +8842,7 @@
           <a:p>
             <a:fld id="{D753EFC8-4232-4598-94F6-94C0EBAFC469}" type="datetime1">
               <a:rPr lang="en-US" smtClean="0"/>
-              <a:t>3/25/21</a:t>
+              <a:t>4/5/21</a:t>
             </a:fld>
             <a:endParaRPr lang="en-US"/>
           </a:p>
@@ -9171,7 +9171,7 @@
           <a:p>
             <a:fld id="{F3161074-1C18-4AE7-957D-F18524378C85}" type="datetime1">
               <a:rPr lang="en-US" smtClean="0"/>
-              <a:t>3/25/21</a:t>
+              <a:t>4/5/21</a:t>
             </a:fld>
             <a:endParaRPr lang="en-US"/>
           </a:p>
@@ -9424,7 +9424,7 @@
           <a:p>
             <a:fld id="{69BE256C-8D9A-4404-B47D-41A1AE514425}" type="datetime1">
               <a:rPr lang="en-US" smtClean="0"/>
-              <a:t>3/25/21</a:t>
+              <a:t>4/5/21</a:t>
             </a:fld>
             <a:endParaRPr lang="en-US"/>
           </a:p>
@@ -9872,7 +9872,7 @@
           <a:p>
             <a:fld id="{66CB2154-9035-4012-8189-BAAB61C5A5EE}" type="datetime1">
               <a:rPr lang="en-US" smtClean="0"/>
-              <a:t>3/25/21</a:t>
+              <a:t>4/5/21</a:t>
             </a:fld>
             <a:endParaRPr lang="en-US"/>
           </a:p>
@@ -10060,7 +10060,7 @@
           <a:p>
             <a:fld id="{6700A58B-DD98-43D0-B791-721480A02982}" type="datetime1">
               <a:rPr lang="en-US" smtClean="0"/>
-              <a:t>3/25/21</a:t>
+              <a:t>4/5/21</a:t>
             </a:fld>
             <a:endParaRPr lang="en-US"/>
           </a:p>
@@ -10266,7 +10266,7 @@
           <a:p>
             <a:fld id="{7DB6E382-4F61-4E24-BE1A-377EC83D0E3A}" type="datetime1">
               <a:rPr lang="en-US" smtClean="0"/>
-              <a:t>3/25/21</a:t>
+              <a:t>4/5/21</a:t>
             </a:fld>
             <a:endParaRPr lang="en-US"/>
           </a:p>
@@ -10672,7 +10672,7 @@
           <a:p>
             <a:fld id="{4142EED6-FC16-45B9-B8C4-2BC5DBA88325}" type="datetime1">
               <a:rPr lang="en-US" smtClean="0"/>
-              <a:t>3/25/21</a:t>
+              <a:t>4/5/21</a:t>
             </a:fld>
             <a:endParaRPr lang="en-US"/>
           </a:p>
@@ -11004,7 +11004,7 @@
           <a:p>
             <a:fld id="{DF59512B-4F1D-43D7-8819-2F53FEF69650}" type="datetime1">
               <a:rPr lang="en-US" smtClean="0"/>
-              <a:t>3/25/21</a:t>
+              <a:t>4/5/21</a:t>
             </a:fld>
             <a:endParaRPr lang="en-US"/>
           </a:p>
@@ -11294,7 +11294,7 @@
           <a:p>
             <a:fld id="{08437B94-E2BF-44DC-ADC5-B05FC9934E9D}" type="datetime1">
               <a:rPr lang="en-US" smtClean="0"/>
-              <a:t>3/25/21</a:t>
+              <a:t>4/5/21</a:t>
             </a:fld>
             <a:endParaRPr lang="en-US"/>
           </a:p>
@@ -11733,7 +11733,7 @@
           <a:p>
             <a:fld id="{6700A58B-DD98-43D0-B791-721480A02982}" type="datetime1">
               <a:rPr lang="en-US" smtClean="0"/>
-              <a:t>3/25/21</a:t>
+              <a:t>4/5/21</a:t>
             </a:fld>
             <a:endParaRPr lang="en-US"/>
           </a:p>
@@ -13643,7 +13643,7 @@
           <a:p>
             <a:fld id="{6700A58B-DD98-43D0-B791-721480A02982}" type="datetime1">
               <a:rPr lang="en-US" smtClean="0"/>
-              <a:t>3/25/21</a:t>
+              <a:t>4/5/21</a:t>
             </a:fld>
             <a:endParaRPr lang="en-US"/>
           </a:p>
@@ -13751,7 +13751,7 @@
           <p:nvPr>
             <p:extLst>
               <p:ext uri="{D42A27DB-BD31-4B8C-83A1-F6EECF244321}">
-                <p14:modId xmlns:p14="http://schemas.microsoft.com/office/powerpoint/2010/main" val="276402919"/>
+                <p14:modId xmlns:p14="http://schemas.microsoft.com/office/powerpoint/2010/main" val="2383867600"/>
               </p:ext>
             </p:extLst>
           </p:nvPr>
@@ -13913,7 +13913,7 @@
                     <a:p>
                       <a:r>
                         <a:rPr lang="en-US" dirty="0"/>
-                        <a:t>1</a:t>
+                        <a:t>2</a:t>
                       </a:r>
                     </a:p>
                   </a:txBody>
@@ -13926,7 +13926,7 @@
                     <a:p>
                       <a:r>
                         <a:rPr lang="en-US" dirty="0"/>
-                        <a:t>1</a:t>
+                        <a:t>2</a:t>
                       </a:r>
                     </a:p>
                   </a:txBody>
@@ -14507,7 +14507,7 @@
           <a:p>
             <a:fld id="{6700A58B-DD98-43D0-B791-721480A02982}" type="datetime1">
               <a:rPr lang="en-US" smtClean="0"/>
-              <a:t>3/25/21</a:t>
+              <a:t>4/5/21</a:t>
             </a:fld>
             <a:endParaRPr lang="en-US"/>
           </a:p>
@@ -15716,7 +15716,7 @@
           <a:p>
             <a:fld id="{6700A58B-DD98-43D0-B791-721480A02982}" type="datetime1">
               <a:rPr lang="en-US" smtClean="0"/>
-              <a:t>3/25/21</a:t>
+              <a:t>4/5/21</a:t>
             </a:fld>
             <a:endParaRPr lang="en-US"/>
           </a:p>
@@ -16819,7 +16819,7 @@
           <a:p>
             <a:fld id="{6700A58B-DD98-43D0-B791-721480A02982}" type="datetime1">
               <a:rPr lang="en-US" smtClean="0"/>
-              <a:t>3/25/21</a:t>
+              <a:t>4/5/21</a:t>
             </a:fld>
             <a:endParaRPr lang="en-US"/>
           </a:p>
@@ -18184,7 +18184,7 @@
           <a:p>
             <a:fld id="{6700A58B-DD98-43D0-B791-721480A02982}" type="datetime1">
               <a:rPr lang="en-US" smtClean="0"/>
-              <a:t>3/25/21</a:t>
+              <a:t>4/5/21</a:t>
             </a:fld>
             <a:endParaRPr lang="en-US"/>
           </a:p>
@@ -18377,7 +18377,7 @@
             <a:fld id="{6700A58B-DD98-43D0-B791-721480A02982}" type="datetime1">
               <a:rPr lang="en-US" smtClean="0"/>
               <a:pPr/>
-              <a:t>3/25/21</a:t>
+              <a:t>4/5/21</a:t>
             </a:fld>
             <a:endParaRPr lang="en-US"/>
           </a:p>
@@ -18834,7 +18834,7 @@
             <a:fld id="{6700A58B-DD98-43D0-B791-721480A02982}" type="datetime1">
               <a:rPr lang="en-US" smtClean="0"/>
               <a:pPr/>
-              <a:t>3/25/21</a:t>
+              <a:t>4/5/21</a:t>
             </a:fld>
             <a:endParaRPr lang="en-US"/>
           </a:p>
@@ -19369,7 +19369,7 @@
             <a:fld id="{6700A58B-DD98-43D0-B791-721480A02982}" type="datetime1">
               <a:rPr lang="en-US" smtClean="0"/>
               <a:pPr/>
-              <a:t>3/25/21</a:t>
+              <a:t>4/5/21</a:t>
             </a:fld>
             <a:endParaRPr lang="en-US"/>
           </a:p>
@@ -20729,7 +20729,7 @@
             <a:fld id="{9B19E99B-5349-415A-8E56-8E989211A366}" type="datetime1">
               <a:rPr lang="en-US" smtClean="0"/>
               <a:pPr/>
-              <a:t>3/25/21</a:t>
+              <a:t>4/5/21</a:t>
             </a:fld>
             <a:endParaRPr lang="en-US"/>
           </a:p>
@@ -21309,7 +21309,7 @@
             <a:fld id="{9B19E99B-5349-415A-8E56-8E989211A366}" type="datetime1">
               <a:rPr lang="en-US" smtClean="0"/>
               <a:pPr/>
-              <a:t>3/25/21</a:t>
+              <a:t>4/5/21</a:t>
             </a:fld>
             <a:endParaRPr lang="en-US"/>
           </a:p>
@@ -22403,7 +22403,7 @@
             <a:fld id="{D753EFC8-4232-4598-94F6-94C0EBAFC469}" type="datetime1">
               <a:rPr lang="en-US" smtClean="0"/>
               <a:pPr/>
-              <a:t>3/25/21</a:t>
+              <a:t>4/5/21</a:t>
             </a:fld>
             <a:endParaRPr lang="en-US"/>
           </a:p>
@@ -23871,7 +23871,7 @@
             <a:fld id="{9B19E99B-5349-415A-8E56-8E989211A366}" type="datetime1">
               <a:rPr lang="en-US" smtClean="0"/>
               <a:pPr/>
-              <a:t>3/25/21</a:t>
+              <a:t>4/5/21</a:t>
             </a:fld>
             <a:endParaRPr lang="en-US"/>
           </a:p>
@@ -24381,7 +24381,7 @@
             <a:fld id="{9B19E99B-5349-415A-8E56-8E989211A366}" type="datetime1">
               <a:rPr lang="en-US" smtClean="0"/>
               <a:pPr/>
-              <a:t>3/25/21</a:t>
+              <a:t>4/5/21</a:t>
             </a:fld>
             <a:endParaRPr lang="en-US"/>
           </a:p>
@@ -24655,7 +24655,7 @@
             <a:fld id="{9B19E99B-5349-415A-8E56-8E989211A366}" type="datetime1">
               <a:rPr lang="en-US" smtClean="0"/>
               <a:pPr/>
-              <a:t>3/25/21</a:t>
+              <a:t>4/5/21</a:t>
             </a:fld>
             <a:endParaRPr lang="en-US"/>
           </a:p>
@@ -25061,7 +25061,7 @@
             <a:fld id="{9B19E99B-5349-415A-8E56-8E989211A366}" type="datetime1">
               <a:rPr lang="en-US" smtClean="0"/>
               <a:pPr/>
-              <a:t>3/25/21</a:t>
+              <a:t>4/5/21</a:t>
             </a:fld>
             <a:endParaRPr lang="en-US"/>
           </a:p>
@@ -25661,7 +25661,7 @@
           <a:p>
             <a:fld id="{6700A58B-DD98-43D0-B791-721480A02982}" type="datetime1">
               <a:rPr lang="en-US" smtClean="0"/>
-              <a:t>3/25/21</a:t>
+              <a:t>4/5/21</a:t>
             </a:fld>
             <a:endParaRPr lang="en-US"/>
           </a:p>
@@ -25976,7 +25976,7 @@
           <a:p>
             <a:fld id="{6700A58B-DD98-43D0-B791-721480A02982}" type="datetime1">
               <a:rPr lang="en-US" smtClean="0"/>
-              <a:t>3/25/21</a:t>
+              <a:t>4/5/21</a:t>
             </a:fld>
             <a:endParaRPr lang="en-US"/>
           </a:p>
@@ -26275,7 +26275,7 @@
           <a:p>
             <a:fld id="{6700A58B-DD98-43D0-B791-721480A02982}" type="datetime1">
               <a:rPr lang="en-US" smtClean="0"/>
-              <a:t>3/25/21</a:t>
+              <a:t>4/5/21</a:t>
             </a:fld>
             <a:endParaRPr lang="en-US"/>
           </a:p>
@@ -27214,7 +27214,7 @@
           <a:p>
             <a:fld id="{6700A58B-DD98-43D0-B791-721480A02982}" type="datetime1">
               <a:rPr lang="en-US" smtClean="0"/>
-              <a:t>3/25/21</a:t>
+              <a:t>4/5/21</a:t>
             </a:fld>
             <a:endParaRPr lang="en-US"/>
           </a:p>
@@ -28148,7 +28148,7 @@
           <a:p>
             <a:fld id="{6700A58B-DD98-43D0-B791-721480A02982}" type="datetime1">
               <a:rPr lang="en-US" smtClean="0"/>
-              <a:t>3/25/21</a:t>
+              <a:t>4/5/21</a:t>
             </a:fld>
             <a:endParaRPr lang="en-US"/>
           </a:p>
@@ -28929,7 +28929,7 @@
           <a:p>
             <a:fld id="{6700A58B-DD98-43D0-B791-721480A02982}" type="datetime1">
               <a:rPr lang="en-US" smtClean="0"/>
-              <a:t>3/25/21</a:t>
+              <a:t>4/5/21</a:t>
             </a:fld>
             <a:endParaRPr lang="en-US"/>
           </a:p>
@@ -30117,7 +30117,7 @@
             <a:fld id="{9B19E99B-5349-415A-8E56-8E989211A366}" type="datetime1">
               <a:rPr lang="en-US" smtClean="0"/>
               <a:pPr/>
-              <a:t>3/25/21</a:t>
+              <a:t>4/5/21</a:t>
             </a:fld>
             <a:endParaRPr lang="en-US"/>
           </a:p>
@@ -31706,7 +31706,7 @@
           <a:p>
             <a:fld id="{6700A58B-DD98-43D0-B791-721480A02982}" type="datetime1">
               <a:rPr lang="en-US" smtClean="0"/>
-              <a:t>3/25/21</a:t>
+              <a:t>4/5/21</a:t>
             </a:fld>
             <a:endParaRPr lang="en-US"/>
           </a:p>
@@ -32174,7 +32174,7 @@
           <a:p>
             <a:fld id="{6700A58B-DD98-43D0-B791-721480A02982}" type="datetime1">
               <a:rPr lang="en-US" smtClean="0"/>
-              <a:t>3/25/21</a:t>
+              <a:t>4/5/21</a:t>
             </a:fld>
             <a:endParaRPr lang="en-US"/>
           </a:p>
@@ -33819,7 +33819,7 @@
           <a:p>
             <a:fld id="{6700A58B-DD98-43D0-B791-721480A02982}" type="datetime1">
               <a:rPr lang="en-US" smtClean="0"/>
-              <a:t>3/25/21</a:t>
+              <a:t>4/5/21</a:t>
             </a:fld>
             <a:endParaRPr lang="en-US"/>
           </a:p>
@@ -34572,7 +34572,7 @@
           <a:p>
             <a:fld id="{6700A58B-DD98-43D0-B791-721480A02982}" type="datetime1">
               <a:rPr lang="en-US" smtClean="0"/>
-              <a:t>3/25/21</a:t>
+              <a:t>4/5/21</a:t>
             </a:fld>
             <a:endParaRPr lang="en-US"/>
           </a:p>
@@ -36696,7 +36696,7 @@
           <a:p>
             <a:fld id="{6700A58B-DD98-43D0-B791-721480A02982}" type="datetime1">
               <a:rPr lang="en-US" smtClean="0"/>
-              <a:t>3/25/21</a:t>
+              <a:t>4/5/21</a:t>
             </a:fld>
             <a:endParaRPr lang="en-US"/>
           </a:p>
@@ -37569,7 +37569,7 @@
           <a:p>
             <a:fld id="{6700A58B-DD98-43D0-B791-721480A02982}" type="datetime1">
               <a:rPr lang="en-US" smtClean="0"/>
-              <a:t>3/25/21</a:t>
+              <a:t>4/5/21</a:t>
             </a:fld>
             <a:endParaRPr lang="en-US"/>
           </a:p>
@@ -37859,7 +37859,7 @@
           <a:p>
             <a:fld id="{6700A58B-DD98-43D0-B791-721480A02982}" type="datetime1">
               <a:rPr lang="en-US" smtClean="0"/>
-              <a:t>3/25/21</a:t>
+              <a:t>4/5/21</a:t>
             </a:fld>
             <a:endParaRPr lang="en-US"/>
           </a:p>
@@ -38177,7 +38177,7 @@
           <a:p>
             <a:fld id="{6700A58B-DD98-43D0-B791-721480A02982}" type="datetime1">
               <a:rPr lang="en-US" smtClean="0"/>
-              <a:t>3/25/21</a:t>
+              <a:t>4/5/21</a:t>
             </a:fld>
             <a:endParaRPr lang="en-US"/>
           </a:p>
@@ -38434,7 +38434,7 @@
             <a:fld id="{9B19E99B-5349-415A-8E56-8E989211A366}" type="datetime1">
               <a:rPr lang="en-US" smtClean="0"/>
               <a:pPr/>
-              <a:t>3/25/21</a:t>
+              <a:t>4/5/21</a:t>
             </a:fld>
             <a:endParaRPr lang="en-US"/>
           </a:p>
@@ -40220,7 +40220,7 @@
             <a:fld id="{9B19E99B-5349-415A-8E56-8E989211A366}" type="datetime1">
               <a:rPr lang="en-US" smtClean="0"/>
               <a:pPr/>
-              <a:t>3/25/21</a:t>
+              <a:t>4/5/21</a:t>
             </a:fld>
             <a:endParaRPr lang="en-US"/>
           </a:p>
@@ -41691,7 +41691,7 @@
           <a:p>
             <a:fld id="{6700A58B-DD98-43D0-B791-721480A02982}" type="datetime1">
               <a:rPr lang="en-US" smtClean="0"/>
-              <a:t>3/25/21</a:t>
+              <a:t>4/5/21</a:t>
             </a:fld>
             <a:endParaRPr lang="en-US"/>
           </a:p>
@@ -42045,7 +42045,7 @@
           <a:p>
             <a:fld id="{6700A58B-DD98-43D0-B791-721480A02982}" type="datetime1">
               <a:rPr lang="en-US" smtClean="0"/>
-              <a:t>3/25/21</a:t>
+              <a:t>4/5/21</a:t>
             </a:fld>
             <a:endParaRPr lang="en-US"/>
           </a:p>
@@ -42732,7 +42732,7 @@
           <a:p>
             <a:fld id="{6700A58B-DD98-43D0-B791-721480A02982}" type="datetime1">
               <a:rPr lang="en-US" smtClean="0"/>
-              <a:t>3/25/21</a:t>
+              <a:t>4/5/21</a:t>
             </a:fld>
             <a:endParaRPr lang="en-US"/>
           </a:p>
@@ -43792,7 +43792,7 @@
           <a:p>
             <a:fld id="{6700A58B-DD98-43D0-B791-721480A02982}" type="datetime1">
               <a:rPr lang="en-US" smtClean="0"/>
-              <a:t>3/25/21</a:t>
+              <a:t>4/5/21</a:t>
             </a:fld>
             <a:endParaRPr lang="en-US"/>
           </a:p>
